--- a/ppt 템플릿.pptx
+++ b/ppt 템플릿.pptx
@@ -5,45 +5,46 @@
     <p:sldMasterId id="2147483648" r:id="rId1"/>
   </p:sldMasterIdLst>
   <p:notesMasterIdLst>
-    <p:notesMasterId r:id="rId7"/>
+    <p:notesMasterId r:id="rId8"/>
   </p:notesMasterIdLst>
   <p:handoutMasterIdLst>
-    <p:handoutMasterId r:id="rId8"/>
+    <p:handoutMasterId r:id="rId9"/>
   </p:handoutMasterIdLst>
   <p:sldIdLst>
     <p:sldId id="322" r:id="rId2"/>
     <p:sldId id="321" r:id="rId3"/>
-    <p:sldId id="323" r:id="rId4"/>
-    <p:sldId id="296" r:id="rId5"/>
-    <p:sldId id="297" r:id="rId6"/>
+    <p:sldId id="324" r:id="rId4"/>
+    <p:sldId id="323" r:id="rId5"/>
+    <p:sldId id="296" r:id="rId6"/>
+    <p:sldId id="297" r:id="rId7"/>
   </p:sldIdLst>
   <p:sldSz cx="9144000" cy="6858000" type="screen4x3"/>
   <p:notesSz cx="6858000" cy="9144000"/>
   <p:embeddedFontLst>
     <p:embeddedFont>
+      <p:font typeface="Microsoft Yi Baiti" panose="03000500000000000000" pitchFamily="66" charset="0"/>
+      <p:regular r:id="rId10"/>
+    </p:embeddedFont>
+    <p:embeddedFont>
       <p:font typeface="Calibri Light" panose="020F0302020204030204" pitchFamily="34" charset="0"/>
-      <p:regular r:id="rId9"/>
-      <p:italic r:id="rId10"/>
+      <p:regular r:id="rId11"/>
+      <p:italic r:id="rId12"/>
+    </p:embeddedFont>
+    <p:embeddedFont>
+      <p:font typeface="나눔바른고딕 Light" panose="020B0603020101020101" pitchFamily="50" charset="-127"/>
+      <p:regular r:id="rId13"/>
     </p:embeddedFont>
     <p:embeddedFont>
       <p:font typeface="맑은 고딕" panose="020B0503020000020004" pitchFamily="50" charset="-127"/>
-      <p:regular r:id="rId11"/>
-      <p:bold r:id="rId12"/>
+      <p:regular r:id="rId14"/>
+      <p:bold r:id="rId15"/>
     </p:embeddedFont>
     <p:embeddedFont>
       <p:font typeface="Calibri" panose="020F0502020204030204" pitchFamily="34" charset="0"/>
-      <p:regular r:id="rId13"/>
-      <p:bold r:id="rId14"/>
-      <p:italic r:id="rId15"/>
-      <p:boldItalic r:id="rId16"/>
-    </p:embeddedFont>
-    <p:embeddedFont>
-      <p:font typeface="나눔바른고딕 Light" panose="020B0603020101020101" pitchFamily="50" charset="-127"/>
-      <p:regular r:id="rId17"/>
-    </p:embeddedFont>
-    <p:embeddedFont>
-      <p:font typeface="Microsoft Yi Baiti" panose="03000500000000000000" pitchFamily="66" charset="0"/>
-      <p:regular r:id="rId18"/>
+      <p:regular r:id="rId16"/>
+      <p:bold r:id="rId17"/>
+      <p:italic r:id="rId18"/>
+      <p:boldItalic r:id="rId19"/>
     </p:embeddedFont>
   </p:embeddedFontLst>
   <p:defaultTextStyle>
@@ -261,7 +262,7 @@
             <a:fld id="{D4CCFBE2-2B8D-499C-81C9-2CD5B3EB8E93}" type="datetimeFigureOut">
               <a:rPr lang="ko-KR" altLang="en-US" smtClean="0"/>
               <a:pPr/>
-              <a:t>2020-03-31</a:t>
+              <a:t>2020-04-01</a:t>
             </a:fld>
             <a:endParaRPr lang="ko-KR" altLang="en-US"/>
           </a:p>
@@ -428,7 +429,7 @@
             <a:fld id="{FB545AC5-813F-4ED1-B011-8EA17CB93331}" type="datetimeFigureOut">
               <a:rPr lang="ko-KR" altLang="en-US" smtClean="0"/>
               <a:pPr/>
-              <a:t>2020-03-31</a:t>
+              <a:t>2020-04-01</a:t>
             </a:fld>
             <a:endParaRPr lang="ko-KR" altLang="en-US"/>
           </a:p>
@@ -860,7 +861,7 @@
             <a:fld id="{ED3D6733-6F27-4404-AB51-585418F146E5}" type="datetimeFigureOut">
               <a:rPr lang="ko-KR" altLang="en-US" smtClean="0"/>
               <a:pPr/>
-              <a:t>2020-03-31</a:t>
+              <a:t>2020-04-01</a:t>
             </a:fld>
             <a:endParaRPr lang="ko-KR" altLang="en-US" dirty="0"/>
           </a:p>
@@ -1237,7 +1238,7 @@
             <a:fld id="{ED3D6733-6F27-4404-AB51-585418F146E5}" type="datetimeFigureOut">
               <a:rPr lang="ko-KR" altLang="en-US" smtClean="0"/>
               <a:pPr/>
-              <a:t>2020-03-31</a:t>
+              <a:t>2020-04-01</a:t>
             </a:fld>
             <a:endParaRPr lang="ko-KR" altLang="en-US"/>
           </a:p>
@@ -1380,7 +1381,7 @@
             <a:fld id="{ED3D6733-6F27-4404-AB51-585418F146E5}" type="datetimeFigureOut">
               <a:rPr lang="ko-KR" altLang="en-US" smtClean="0"/>
               <a:pPr/>
-              <a:t>2020-03-31</a:t>
+              <a:t>2020-04-01</a:t>
             </a:fld>
             <a:endParaRPr lang="ko-KR" altLang="en-US"/>
           </a:p>
@@ -1571,7 +1572,7 @@
             <a:fld id="{ED3D6733-6F27-4404-AB51-585418F146E5}" type="datetimeFigureOut">
               <a:rPr lang="ko-KR" altLang="en-US" smtClean="0"/>
               <a:pPr/>
-              <a:t>2020-03-31</a:t>
+              <a:t>2020-04-01</a:t>
             </a:fld>
             <a:endParaRPr lang="ko-KR" altLang="en-US"/>
           </a:p>
@@ -1843,7 +1844,7 @@
             <a:fld id="{ED3D6733-6F27-4404-AB51-585418F146E5}" type="datetimeFigureOut">
               <a:rPr lang="ko-KR" altLang="en-US" smtClean="0"/>
               <a:pPr/>
-              <a:t>2020-03-31</a:t>
+              <a:t>2020-04-01</a:t>
             </a:fld>
             <a:endParaRPr lang="ko-KR" altLang="en-US"/>
           </a:p>
@@ -2178,7 +2179,7 @@
             <a:fld id="{ED3D6733-6F27-4404-AB51-585418F146E5}" type="datetimeFigureOut">
               <a:rPr lang="ko-KR" altLang="en-US" smtClean="0"/>
               <a:pPr/>
-              <a:t>2020-03-31</a:t>
+              <a:t>2020-04-01</a:t>
             </a:fld>
             <a:endParaRPr lang="ko-KR" altLang="en-US"/>
           </a:p>
@@ -2632,7 +2633,7 @@
             <a:fld id="{ED3D6733-6F27-4404-AB51-585418F146E5}" type="datetimeFigureOut">
               <a:rPr lang="ko-KR" altLang="en-US" smtClean="0"/>
               <a:pPr/>
-              <a:t>2020-03-31</a:t>
+              <a:t>2020-04-01</a:t>
             </a:fld>
             <a:endParaRPr lang="ko-KR" altLang="en-US"/>
           </a:p>
@@ -3102,6 +3103,13 @@
   <p:clrMapOvr>
     <a:masterClrMapping/>
   </p:clrMapOvr>
+  <p:timing>
+    <p:tnLst>
+      <p:par>
+        <p:cTn id="1" dur="indefinite" restart="never" nodeType="tmRoot"/>
+      </p:par>
+    </p:tnLst>
+  </p:timing>
 </p:sld>
 </file>
 
@@ -3139,14 +3147,73 @@
           </a:xfrm>
         </p:spPr>
         <p:txBody>
-          <a:bodyPr/>
+          <a:bodyPr>
+            <a:noAutofit/>
+          </a:bodyPr>
           <a:lstStyle/>
           <a:p>
+            <a:pPr>
+              <a:buAutoNum type="arabicPeriod"/>
+            </a:pPr>
+            <a:endParaRPr lang="en-US" altLang="ko-KR" sz="3200" dirty="0" smtClean="0"/>
+          </a:p>
+          <a:p>
+            <a:pPr>
+              <a:buAutoNum type="arabicPeriod"/>
+            </a:pPr>
             <a:r>
-              <a:rPr lang="en-US" altLang="ko-KR" dirty="0"/>
-              <a:t>Replace with your own text</a:t>
+              <a:rPr lang="ko-KR" altLang="en-US" sz="3200" dirty="0" smtClean="0"/>
+              <a:t>주제 선정 이유</a:t>
             </a:r>
-            <a:endParaRPr lang="ko-KR" altLang="en-US" dirty="0"/>
+            <a:endParaRPr lang="en-US" altLang="ko-KR" sz="3200" dirty="0" smtClean="0"/>
+          </a:p>
+          <a:p>
+            <a:pPr>
+              <a:buAutoNum type="arabicPeriod"/>
+            </a:pPr>
+            <a:endParaRPr lang="en-US" altLang="ko-KR" sz="3200" dirty="0" smtClean="0"/>
+          </a:p>
+          <a:p>
+            <a:pPr>
+              <a:buAutoNum type="arabicPeriod"/>
+            </a:pPr>
+            <a:r>
+              <a:rPr lang="ko-KR" altLang="en-US" sz="3200" dirty="0" smtClean="0"/>
+              <a:t>요구사항 정의서</a:t>
+            </a:r>
+            <a:endParaRPr lang="en-US" altLang="ko-KR" sz="3200" dirty="0" smtClean="0"/>
+          </a:p>
+          <a:p>
+            <a:pPr>
+              <a:buAutoNum type="arabicPeriod"/>
+            </a:pPr>
+            <a:endParaRPr lang="en-US" altLang="ko-KR" sz="3200" dirty="0" smtClean="0"/>
+          </a:p>
+          <a:p>
+            <a:pPr>
+              <a:buAutoNum type="arabicPeriod"/>
+            </a:pPr>
+            <a:r>
+              <a:rPr lang="ko-KR" altLang="en-US" sz="3200" dirty="0" smtClean="0"/>
+              <a:t>데이터베이스 설계</a:t>
+            </a:r>
+            <a:endParaRPr lang="en-US" altLang="ko-KR" sz="3200" dirty="0" smtClean="0"/>
+          </a:p>
+          <a:p>
+            <a:pPr>
+              <a:buAutoNum type="arabicPeriod"/>
+            </a:pPr>
+            <a:endParaRPr lang="en-US" altLang="ko-KR" sz="3200" dirty="0" smtClean="0"/>
+          </a:p>
+          <a:p>
+            <a:pPr>
+              <a:buAutoNum type="arabicPeriod"/>
+            </a:pPr>
+            <a:r>
+              <a:rPr lang="ko-KR" altLang="en-US" sz="3200" dirty="0" smtClean="0"/>
+              <a:t>화면설계</a:t>
+            </a:r>
+            <a:endParaRPr lang="ko-KR" altLang="en-US" sz="3200" dirty="0"/>
           </a:p>
         </p:txBody>
       </p:sp>
@@ -3171,8 +3238,8 @@
           <a:lstStyle/>
           <a:p>
             <a:r>
-              <a:rPr lang="en-US" altLang="ko-KR" dirty="0"/>
-              <a:t>Add some text to the title slide</a:t>
+              <a:rPr lang="ko-KR" altLang="en-US" dirty="0" smtClean="0"/>
+              <a:t>목차</a:t>
             </a:r>
             <a:endParaRPr lang="ko-KR" altLang="en-US" dirty="0"/>
           </a:p>
@@ -3340,10 +3407,137 @@
   <p:clrMapOvr>
     <a:masterClrMapping/>
   </p:clrMapOvr>
+  <p:timing>
+    <p:tnLst>
+      <p:par>
+        <p:cTn id="1" dur="indefinite" restart="never" nodeType="tmRoot"/>
+      </p:par>
+    </p:tnLst>
+  </p:timing>
 </p:sld>
 </file>
 
 <file path=ppt/slides/slide3.xml><?xml version="1.0" encoding="utf-8"?>
+<p:sld xmlns:a="http://schemas.openxmlformats.org/drawingml/2006/main" xmlns:r="http://schemas.openxmlformats.org/officeDocument/2006/relationships" xmlns:p="http://schemas.openxmlformats.org/presentationml/2006/main">
+  <p:cSld>
+    <p:spTree>
+      <p:nvGrpSpPr>
+        <p:cNvPr id="1" name=""/>
+        <p:cNvGrpSpPr/>
+        <p:nvPr/>
+      </p:nvGrpSpPr>
+      <p:grpSpPr>
+        <a:xfrm>
+          <a:off x="0" y="0"/>
+          <a:ext cx="0" cy="0"/>
+          <a:chOff x="0" y="0"/>
+          <a:chExt cx="0" cy="0"/>
+        </a:xfrm>
+      </p:grpSpPr>
+      <p:sp>
+        <p:nvSpPr>
+          <p:cNvPr id="2" name="제목 1"/>
+          <p:cNvSpPr>
+            <a:spLocks noGrp="1"/>
+          </p:cNvSpPr>
+          <p:nvPr>
+            <p:ph type="title"/>
+          </p:nvPr>
+        </p:nvSpPr>
+        <p:spPr/>
+        <p:txBody>
+          <a:bodyPr/>
+          <a:lstStyle/>
+          <a:p>
+            <a:r>
+              <a:rPr lang="ko-KR" altLang="en-US" dirty="0" smtClean="0"/>
+              <a:t>주제 선정 이유</a:t>
+            </a:r>
+            <a:endParaRPr lang="ko-KR" altLang="en-US" dirty="0"/>
+          </a:p>
+        </p:txBody>
+      </p:sp>
+      <p:sp>
+        <p:nvSpPr>
+          <p:cNvPr id="3" name="내용 개체 틀 2"/>
+          <p:cNvSpPr>
+            <a:spLocks noGrp="1"/>
+          </p:cNvSpPr>
+          <p:nvPr>
+            <p:ph idx="1"/>
+          </p:nvPr>
+        </p:nvSpPr>
+        <p:spPr/>
+        <p:txBody>
+          <a:bodyPr/>
+          <a:lstStyle/>
+          <a:p>
+            <a:endParaRPr lang="en-US" altLang="ko-KR" dirty="0" smtClean="0"/>
+          </a:p>
+          <a:p>
+            <a:endParaRPr lang="en-US" altLang="ko-KR" dirty="0"/>
+          </a:p>
+          <a:p>
+            <a:endParaRPr lang="en-US" altLang="ko-KR" dirty="0" smtClean="0"/>
+          </a:p>
+          <a:p>
+            <a:r>
+              <a:rPr lang="en-US" altLang="ko-KR" dirty="0" smtClean="0"/>
+              <a:t>1. </a:t>
+            </a:r>
+            <a:r>
+              <a:rPr lang="ko-KR" altLang="en-US" dirty="0"/>
+              <a:t> </a:t>
+            </a:r>
+            <a:r>
+              <a:rPr lang="ko-KR" altLang="en-US" dirty="0" smtClean="0"/>
+              <a:t>지식 공유를 하기 위하여 </a:t>
+            </a:r>
+            <a:endParaRPr lang="en-US" altLang="ko-KR" dirty="0" smtClean="0"/>
+          </a:p>
+          <a:p>
+            <a:endParaRPr lang="en-US" altLang="ko-KR" dirty="0"/>
+          </a:p>
+          <a:p>
+            <a:endParaRPr lang="en-US" altLang="ko-KR" dirty="0" smtClean="0"/>
+          </a:p>
+          <a:p>
+            <a:endParaRPr lang="en-US" altLang="ko-KR" dirty="0"/>
+          </a:p>
+          <a:p>
+            <a:r>
+              <a:rPr lang="en-US" altLang="ko-KR" dirty="0" smtClean="0"/>
+              <a:t>2. </a:t>
+            </a:r>
+            <a:r>
+              <a:rPr lang="ko-KR" altLang="en-US" dirty="0" smtClean="0"/>
+              <a:t>이전까지 해왔던 프로젝트에서 예약시스템이 없어서  이번 프로젝트에 예약시스템을 구현하고자 함</a:t>
+            </a:r>
+            <a:endParaRPr lang="ko-KR" altLang="en-US" dirty="0"/>
+          </a:p>
+        </p:txBody>
+      </p:sp>
+    </p:spTree>
+    <p:extLst>
+      <p:ext uri="{BB962C8B-B14F-4D97-AF65-F5344CB8AC3E}">
+        <p14:creationId xmlns:p14="http://schemas.microsoft.com/office/powerpoint/2010/main" val="356401236"/>
+      </p:ext>
+    </p:extLst>
+  </p:cSld>
+  <p:clrMapOvr>
+    <a:masterClrMapping/>
+  </p:clrMapOvr>
+  <p:timing>
+    <p:tnLst>
+      <p:par>
+        <p:cTn id="1" dur="indefinite" restart="never" nodeType="tmRoot"/>
+      </p:par>
+    </p:tnLst>
+  </p:timing>
+</p:sld>
+</file>
+
+<file path=ppt/slides/slide4.xml><?xml version="1.0" encoding="utf-8"?>
 <p:sld xmlns:a="http://schemas.openxmlformats.org/drawingml/2006/main" xmlns:r="http://schemas.openxmlformats.org/officeDocument/2006/relationships" xmlns:p="http://schemas.openxmlformats.org/presentationml/2006/main">
   <p:cSld>
     <p:spTree>
@@ -3522,82 +3716,13 @@
   <p:clrMapOvr>
     <a:masterClrMapping/>
   </p:clrMapOvr>
-</p:sld>
-</file>
-
-<file path=ppt/slides/slide4.xml><?xml version="1.0" encoding="utf-8"?>
-<p:sld xmlns:a="http://schemas.openxmlformats.org/drawingml/2006/main" xmlns:r="http://schemas.openxmlformats.org/officeDocument/2006/relationships" xmlns:p="http://schemas.openxmlformats.org/presentationml/2006/main">
-  <p:cSld>
-    <p:spTree>
-      <p:nvGrpSpPr>
-        <p:cNvPr id="1" name=""/>
-        <p:cNvGrpSpPr/>
-        <p:nvPr/>
-      </p:nvGrpSpPr>
-      <p:grpSpPr>
-        <a:xfrm>
-          <a:off x="0" y="0"/>
-          <a:ext cx="0" cy="0"/>
-          <a:chOff x="0" y="0"/>
-          <a:chExt cx="0" cy="0"/>
-        </a:xfrm>
-      </p:grpSpPr>
-      <p:sp>
-        <p:nvSpPr>
-          <p:cNvPr id="6" name="내용 개체 틀 5"/>
-          <p:cNvSpPr>
-            <a:spLocks noGrp="1"/>
-          </p:cNvSpPr>
-          <p:nvPr>
-            <p:ph idx="1"/>
-          </p:nvPr>
-        </p:nvSpPr>
-        <p:spPr>
-          <a:xfrm>
-            <a:off x="814922" y="1196752"/>
-            <a:ext cx="8005550" cy="4841392"/>
-          </a:xfrm>
-        </p:spPr>
-        <p:txBody>
-          <a:bodyPr/>
-          <a:lstStyle/>
-          <a:p>
-            <a:r>
-              <a:rPr lang="en-US" altLang="ko-KR" dirty="0"/>
-              <a:t>Replace with your own text</a:t>
-            </a:r>
-            <a:endParaRPr lang="ko-KR" altLang="en-US" dirty="0"/>
-          </a:p>
-        </p:txBody>
-      </p:sp>
-      <p:sp>
-        <p:nvSpPr>
-          <p:cNvPr id="9" name="제목 1"/>
-          <p:cNvSpPr>
-            <a:spLocks noGrp="1"/>
-          </p:cNvSpPr>
-          <p:nvPr>
-            <p:ph type="title"/>
-          </p:nvPr>
-        </p:nvSpPr>
-        <p:spPr/>
-        <p:txBody>
-          <a:bodyPr/>
-          <a:lstStyle/>
-          <a:p>
-            <a:r>
-              <a:rPr lang="en-US" altLang="ko-KR" dirty="0"/>
-              <a:t>Add some text to the title slide</a:t>
-            </a:r>
-            <a:endParaRPr lang="ko-KR" altLang="en-US" dirty="0"/>
-          </a:p>
-        </p:txBody>
-      </p:sp>
-    </p:spTree>
-  </p:cSld>
-  <p:clrMapOvr>
-    <a:masterClrMapping/>
-  </p:clrMapOvr>
+  <p:timing>
+    <p:tnLst>
+      <p:par>
+        <p:cTn id="1" dur="indefinite" restart="never" nodeType="tmRoot"/>
+      </p:par>
+    </p:tnLst>
+  </p:timing>
 </p:sld>
 </file>
 
@@ -3620,6 +3745,89 @@
       </p:grpSpPr>
       <p:sp>
         <p:nvSpPr>
+          <p:cNvPr id="6" name="내용 개체 틀 5"/>
+          <p:cNvSpPr>
+            <a:spLocks noGrp="1"/>
+          </p:cNvSpPr>
+          <p:nvPr>
+            <p:ph idx="1"/>
+          </p:nvPr>
+        </p:nvSpPr>
+        <p:spPr>
+          <a:xfrm>
+            <a:off x="814922" y="1196752"/>
+            <a:ext cx="8005550" cy="4841392"/>
+          </a:xfrm>
+        </p:spPr>
+        <p:txBody>
+          <a:bodyPr/>
+          <a:lstStyle/>
+          <a:p>
+            <a:r>
+              <a:rPr lang="en-US" altLang="ko-KR" dirty="0"/>
+              <a:t>Replace with your own text</a:t>
+            </a:r>
+            <a:endParaRPr lang="ko-KR" altLang="en-US" dirty="0"/>
+          </a:p>
+        </p:txBody>
+      </p:sp>
+      <p:sp>
+        <p:nvSpPr>
+          <p:cNvPr id="9" name="제목 1"/>
+          <p:cNvSpPr>
+            <a:spLocks noGrp="1"/>
+          </p:cNvSpPr>
+          <p:nvPr>
+            <p:ph type="title"/>
+          </p:nvPr>
+        </p:nvSpPr>
+        <p:spPr/>
+        <p:txBody>
+          <a:bodyPr/>
+          <a:lstStyle/>
+          <a:p>
+            <a:r>
+              <a:rPr lang="en-US" altLang="ko-KR" dirty="0"/>
+              <a:t>Add some text to the title slide</a:t>
+            </a:r>
+            <a:endParaRPr lang="ko-KR" altLang="en-US" dirty="0"/>
+          </a:p>
+        </p:txBody>
+      </p:sp>
+    </p:spTree>
+  </p:cSld>
+  <p:clrMapOvr>
+    <a:masterClrMapping/>
+  </p:clrMapOvr>
+  <p:timing>
+    <p:tnLst>
+      <p:par>
+        <p:cTn id="1" dur="indefinite" restart="never" nodeType="tmRoot"/>
+      </p:par>
+    </p:tnLst>
+  </p:timing>
+</p:sld>
+</file>
+
+<file path=ppt/slides/slide6.xml><?xml version="1.0" encoding="utf-8"?>
+<p:sld xmlns:a="http://schemas.openxmlformats.org/drawingml/2006/main" xmlns:r="http://schemas.openxmlformats.org/officeDocument/2006/relationships" xmlns:p="http://schemas.openxmlformats.org/presentationml/2006/main">
+  <p:cSld>
+    <p:spTree>
+      <p:nvGrpSpPr>
+        <p:cNvPr id="1" name=""/>
+        <p:cNvGrpSpPr/>
+        <p:nvPr/>
+      </p:nvGrpSpPr>
+      <p:grpSpPr>
+        <a:xfrm>
+          <a:off x="0" y="0"/>
+          <a:ext cx="0" cy="0"/>
+          <a:chOff x="0" y="0"/>
+          <a:chExt cx="0" cy="0"/>
+        </a:xfrm>
+      </p:grpSpPr>
+      <p:sp>
+        <p:nvSpPr>
           <p:cNvPr id="5" name="제목 4"/>
           <p:cNvSpPr>
             <a:spLocks noGrp="1"/>
@@ -3653,6 +3861,13 @@
   <p:clrMapOvr>
     <a:masterClrMapping/>
   </p:clrMapOvr>
+  <p:timing>
+    <p:tnLst>
+      <p:par>
+        <p:cTn id="1" dur="indefinite" restart="never" nodeType="tmRoot"/>
+      </p:par>
+    </p:tnLst>
+  </p:timing>
 </p:sld>
 </file>
 
